--- a/static/posts/2025-07-08-boj-31964/fig.pptx
+++ b/static/posts/2025-07-08-boj-31964/fig.pptx
@@ -106,6 +106,11 @@
       </a:defRPr>
     </a:lvl9pPr>
   </p:defaultTextStyle>
+  <p:extLst>
+    <p:ext uri="{EFAFB233-063F-42B5-8137-9DF3F51BA10A}">
+      <p15:sldGuideLst xmlns:p15="http://schemas.microsoft.com/office/powerpoint/2012/main"/>
+    </p:ext>
+  </p:extLst>
 </p:presentation>
 </file>
 
@@ -4641,7 +4646,7 @@
         <p:spPr>
           <a:xfrm>
             <a:off x="1111102" y="2597889"/>
-            <a:ext cx="4173279" cy="478465"/>
+            <a:ext cx="4257675" cy="478465"/>
           </a:xfrm>
           <a:prstGeom prst="rect">
             <a:avLst/>
